--- a/CNN/doc/Object Classification and Recognition.pptx
+++ b/CNN/doc/Object Classification and Recognition.pptx
@@ -161,10 +161,9 @@
           </a:lstStyle>
           <a:p>
             <a:r>
-              <a:rPr lang="en-US" smtClean="0"/>
+              <a:rPr lang="en-US"/>
               <a:t>Click to edit Master title style</a:t>
             </a:r>
-            <a:endParaRPr lang="en-US"/>
           </a:p>
         </p:txBody>
       </p:sp>
@@ -226,10 +225,9 @@
           </a:lstStyle>
           <a:p>
             <a:r>
-              <a:rPr lang="en-US" smtClean="0"/>
+              <a:rPr lang="en-US"/>
               <a:t>Click to edit Master subtitle style</a:t>
             </a:r>
-            <a:endParaRPr lang="en-US"/>
           </a:p>
         </p:txBody>
       </p:sp>
@@ -250,7 +248,7 @@
           <a:p>
             <a:fld id="{F1FA7AC5-6045-4418-8E60-F48788734473}" type="datetimeFigureOut">
               <a:rPr lang="en-US" smtClean="0"/>
-              <a:t>1/8/2017</a:t>
+              <a:t>1/24/2017</a:t>
             </a:fld>
             <a:endParaRPr lang="en-US"/>
           </a:p>
@@ -344,10 +342,9 @@
           <a:lstStyle/>
           <a:p>
             <a:r>
-              <a:rPr lang="en-US" smtClean="0"/>
+              <a:rPr lang="en-US"/>
               <a:t>Click to edit Master title style</a:t>
             </a:r>
-            <a:endParaRPr lang="en-US"/>
           </a:p>
         </p:txBody>
       </p:sp>
@@ -368,38 +365,37 @@
           <a:p>
             <a:pPr lvl="0"/>
             <a:r>
-              <a:rPr lang="en-US" smtClean="0"/>
+              <a:rPr lang="en-US"/>
               <a:t>Click to edit Master text styles</a:t>
             </a:r>
           </a:p>
           <a:p>
             <a:pPr lvl="1"/>
             <a:r>
-              <a:rPr lang="en-US" smtClean="0"/>
+              <a:rPr lang="en-US"/>
               <a:t>Second level</a:t>
             </a:r>
           </a:p>
           <a:p>
             <a:pPr lvl="2"/>
             <a:r>
-              <a:rPr lang="en-US" smtClean="0"/>
+              <a:rPr lang="en-US"/>
               <a:t>Third level</a:t>
             </a:r>
           </a:p>
           <a:p>
             <a:pPr lvl="3"/>
             <a:r>
-              <a:rPr lang="en-US" smtClean="0"/>
+              <a:rPr lang="en-US"/>
               <a:t>Fourth level</a:t>
             </a:r>
           </a:p>
           <a:p>
             <a:pPr lvl="4"/>
             <a:r>
-              <a:rPr lang="en-US" smtClean="0"/>
+              <a:rPr lang="en-US"/>
               <a:t>Fifth level</a:t>
             </a:r>
-            <a:endParaRPr lang="en-US"/>
           </a:p>
         </p:txBody>
       </p:sp>
@@ -420,7 +416,7 @@
           <a:p>
             <a:fld id="{F1FA7AC5-6045-4418-8E60-F48788734473}" type="datetimeFigureOut">
               <a:rPr lang="en-US" smtClean="0"/>
-              <a:t>1/8/2017</a:t>
+              <a:t>1/24/2017</a:t>
             </a:fld>
             <a:endParaRPr lang="en-US"/>
           </a:p>
@@ -519,10 +515,9 @@
           <a:lstStyle/>
           <a:p>
             <a:r>
-              <a:rPr lang="en-US" smtClean="0"/>
+              <a:rPr lang="en-US"/>
               <a:t>Click to edit Master title style</a:t>
             </a:r>
-            <a:endParaRPr lang="en-US"/>
           </a:p>
         </p:txBody>
       </p:sp>
@@ -548,38 +543,37 @@
           <a:p>
             <a:pPr lvl="0"/>
             <a:r>
-              <a:rPr lang="en-US" smtClean="0"/>
+              <a:rPr lang="en-US"/>
               <a:t>Click to edit Master text styles</a:t>
             </a:r>
           </a:p>
           <a:p>
             <a:pPr lvl="1"/>
             <a:r>
-              <a:rPr lang="en-US" smtClean="0"/>
+              <a:rPr lang="en-US"/>
               <a:t>Second level</a:t>
             </a:r>
           </a:p>
           <a:p>
             <a:pPr lvl="2"/>
             <a:r>
-              <a:rPr lang="en-US" smtClean="0"/>
+              <a:rPr lang="en-US"/>
               <a:t>Third level</a:t>
             </a:r>
           </a:p>
           <a:p>
             <a:pPr lvl="3"/>
             <a:r>
-              <a:rPr lang="en-US" smtClean="0"/>
+              <a:rPr lang="en-US"/>
               <a:t>Fourth level</a:t>
             </a:r>
           </a:p>
           <a:p>
             <a:pPr lvl="4"/>
             <a:r>
-              <a:rPr lang="en-US" smtClean="0"/>
+              <a:rPr lang="en-US"/>
               <a:t>Fifth level</a:t>
             </a:r>
-            <a:endParaRPr lang="en-US"/>
           </a:p>
         </p:txBody>
       </p:sp>
@@ -600,7 +594,7 @@
           <a:p>
             <a:fld id="{F1FA7AC5-6045-4418-8E60-F48788734473}" type="datetimeFigureOut">
               <a:rPr lang="en-US" smtClean="0"/>
-              <a:t>1/8/2017</a:t>
+              <a:t>1/24/2017</a:t>
             </a:fld>
             <a:endParaRPr lang="en-US"/>
           </a:p>
@@ -694,10 +688,9 @@
           <a:lstStyle/>
           <a:p>
             <a:r>
-              <a:rPr lang="en-US" smtClean="0"/>
+              <a:rPr lang="en-US"/>
               <a:t>Click to edit Master title style</a:t>
             </a:r>
-            <a:endParaRPr lang="en-US"/>
           </a:p>
         </p:txBody>
       </p:sp>
@@ -718,38 +711,37 @@
           <a:p>
             <a:pPr lvl="0"/>
             <a:r>
-              <a:rPr lang="en-US" smtClean="0"/>
+              <a:rPr lang="en-US"/>
               <a:t>Click to edit Master text styles</a:t>
             </a:r>
           </a:p>
           <a:p>
             <a:pPr lvl="1"/>
             <a:r>
-              <a:rPr lang="en-US" smtClean="0"/>
+              <a:rPr lang="en-US"/>
               <a:t>Second level</a:t>
             </a:r>
           </a:p>
           <a:p>
             <a:pPr lvl="2"/>
             <a:r>
-              <a:rPr lang="en-US" smtClean="0"/>
+              <a:rPr lang="en-US"/>
               <a:t>Third level</a:t>
             </a:r>
           </a:p>
           <a:p>
             <a:pPr lvl="3"/>
             <a:r>
-              <a:rPr lang="en-US" smtClean="0"/>
+              <a:rPr lang="en-US"/>
               <a:t>Fourth level</a:t>
             </a:r>
           </a:p>
           <a:p>
             <a:pPr lvl="4"/>
             <a:r>
-              <a:rPr lang="en-US" smtClean="0"/>
+              <a:rPr lang="en-US"/>
               <a:t>Fifth level</a:t>
             </a:r>
-            <a:endParaRPr lang="en-US"/>
           </a:p>
         </p:txBody>
       </p:sp>
@@ -770,7 +762,7 @@
           <a:p>
             <a:fld id="{F1FA7AC5-6045-4418-8E60-F48788734473}" type="datetimeFigureOut">
               <a:rPr lang="en-US" smtClean="0"/>
-              <a:t>1/8/2017</a:t>
+              <a:t>1/24/2017</a:t>
             </a:fld>
             <a:endParaRPr lang="en-US"/>
           </a:p>
@@ -873,10 +865,9 @@
           </a:lstStyle>
           <a:p>
             <a:r>
-              <a:rPr lang="en-US" smtClean="0"/>
+              <a:rPr lang="en-US"/>
               <a:t>Click to edit Master title style</a:t>
             </a:r>
-            <a:endParaRPr lang="en-US"/>
           </a:p>
         </p:txBody>
       </p:sp>
@@ -993,7 +984,7 @@
           <a:p>
             <a:pPr lvl="0"/>
             <a:r>
-              <a:rPr lang="en-US" smtClean="0"/>
+              <a:rPr lang="en-US"/>
               <a:t>Click to edit Master text styles</a:t>
             </a:r>
           </a:p>
@@ -1016,7 +1007,7 @@
           <a:p>
             <a:fld id="{F1FA7AC5-6045-4418-8E60-F48788734473}" type="datetimeFigureOut">
               <a:rPr lang="en-US" smtClean="0"/>
-              <a:t>1/8/2017</a:t>
+              <a:t>1/24/2017</a:t>
             </a:fld>
             <a:endParaRPr lang="en-US"/>
           </a:p>
@@ -1110,10 +1101,9 @@
           <a:lstStyle/>
           <a:p>
             <a:r>
-              <a:rPr lang="en-US" smtClean="0"/>
+              <a:rPr lang="en-US"/>
               <a:t>Click to edit Master title style</a:t>
             </a:r>
-            <a:endParaRPr lang="en-US"/>
           </a:p>
         </p:txBody>
       </p:sp>
@@ -1139,38 +1129,37 @@
           <a:p>
             <a:pPr lvl="0"/>
             <a:r>
-              <a:rPr lang="en-US" smtClean="0"/>
+              <a:rPr lang="en-US"/>
               <a:t>Click to edit Master text styles</a:t>
             </a:r>
           </a:p>
           <a:p>
             <a:pPr lvl="1"/>
             <a:r>
-              <a:rPr lang="en-US" smtClean="0"/>
+              <a:rPr lang="en-US"/>
               <a:t>Second level</a:t>
             </a:r>
           </a:p>
           <a:p>
             <a:pPr lvl="2"/>
             <a:r>
-              <a:rPr lang="en-US" smtClean="0"/>
+              <a:rPr lang="en-US"/>
               <a:t>Third level</a:t>
             </a:r>
           </a:p>
           <a:p>
             <a:pPr lvl="3"/>
             <a:r>
-              <a:rPr lang="en-US" smtClean="0"/>
+              <a:rPr lang="en-US"/>
               <a:t>Fourth level</a:t>
             </a:r>
           </a:p>
           <a:p>
             <a:pPr lvl="4"/>
             <a:r>
-              <a:rPr lang="en-US" smtClean="0"/>
+              <a:rPr lang="en-US"/>
               <a:t>Fifth level</a:t>
             </a:r>
-            <a:endParaRPr lang="en-US"/>
           </a:p>
         </p:txBody>
       </p:sp>
@@ -1196,38 +1185,37 @@
           <a:p>
             <a:pPr lvl="0"/>
             <a:r>
-              <a:rPr lang="en-US" smtClean="0"/>
+              <a:rPr lang="en-US"/>
               <a:t>Click to edit Master text styles</a:t>
             </a:r>
           </a:p>
           <a:p>
             <a:pPr lvl="1"/>
             <a:r>
-              <a:rPr lang="en-US" smtClean="0"/>
+              <a:rPr lang="en-US"/>
               <a:t>Second level</a:t>
             </a:r>
           </a:p>
           <a:p>
             <a:pPr lvl="2"/>
             <a:r>
-              <a:rPr lang="en-US" smtClean="0"/>
+              <a:rPr lang="en-US"/>
               <a:t>Third level</a:t>
             </a:r>
           </a:p>
           <a:p>
             <a:pPr lvl="3"/>
             <a:r>
-              <a:rPr lang="en-US" smtClean="0"/>
+              <a:rPr lang="en-US"/>
               <a:t>Fourth level</a:t>
             </a:r>
           </a:p>
           <a:p>
             <a:pPr lvl="4"/>
             <a:r>
-              <a:rPr lang="en-US" smtClean="0"/>
+              <a:rPr lang="en-US"/>
               <a:t>Fifth level</a:t>
             </a:r>
-            <a:endParaRPr lang="en-US"/>
           </a:p>
         </p:txBody>
       </p:sp>
@@ -1248,7 +1236,7 @@
           <a:p>
             <a:fld id="{F1FA7AC5-6045-4418-8E60-F48788734473}" type="datetimeFigureOut">
               <a:rPr lang="en-US" smtClean="0"/>
-              <a:t>1/8/2017</a:t>
+              <a:t>1/24/2017</a:t>
             </a:fld>
             <a:endParaRPr lang="en-US"/>
           </a:p>
@@ -1347,10 +1335,9 @@
           <a:lstStyle/>
           <a:p>
             <a:r>
-              <a:rPr lang="en-US" smtClean="0"/>
+              <a:rPr lang="en-US"/>
               <a:t>Click to edit Master title style</a:t>
             </a:r>
-            <a:endParaRPr lang="en-US"/>
           </a:p>
         </p:txBody>
       </p:sp>
@@ -1413,7 +1400,7 @@
           <a:p>
             <a:pPr lvl="0"/>
             <a:r>
-              <a:rPr lang="en-US" smtClean="0"/>
+              <a:rPr lang="en-US"/>
               <a:t>Click to edit Master text styles</a:t>
             </a:r>
           </a:p>
@@ -1441,38 +1428,37 @@
           <a:p>
             <a:pPr lvl="0"/>
             <a:r>
-              <a:rPr lang="en-US" smtClean="0"/>
+              <a:rPr lang="en-US"/>
               <a:t>Click to edit Master text styles</a:t>
             </a:r>
           </a:p>
           <a:p>
             <a:pPr lvl="1"/>
             <a:r>
-              <a:rPr lang="en-US" smtClean="0"/>
+              <a:rPr lang="en-US"/>
               <a:t>Second level</a:t>
             </a:r>
           </a:p>
           <a:p>
             <a:pPr lvl="2"/>
             <a:r>
-              <a:rPr lang="en-US" smtClean="0"/>
+              <a:rPr lang="en-US"/>
               <a:t>Third level</a:t>
             </a:r>
           </a:p>
           <a:p>
             <a:pPr lvl="3"/>
             <a:r>
-              <a:rPr lang="en-US" smtClean="0"/>
+              <a:rPr lang="en-US"/>
               <a:t>Fourth level</a:t>
             </a:r>
           </a:p>
           <a:p>
             <a:pPr lvl="4"/>
             <a:r>
-              <a:rPr lang="en-US" smtClean="0"/>
+              <a:rPr lang="en-US"/>
               <a:t>Fifth level</a:t>
             </a:r>
-            <a:endParaRPr lang="en-US"/>
           </a:p>
         </p:txBody>
       </p:sp>
@@ -1535,7 +1521,7 @@
           <a:p>
             <a:pPr lvl="0"/>
             <a:r>
-              <a:rPr lang="en-US" smtClean="0"/>
+              <a:rPr lang="en-US"/>
               <a:t>Click to edit Master text styles</a:t>
             </a:r>
           </a:p>
@@ -1563,38 +1549,37 @@
           <a:p>
             <a:pPr lvl="0"/>
             <a:r>
-              <a:rPr lang="en-US" smtClean="0"/>
+              <a:rPr lang="en-US"/>
               <a:t>Click to edit Master text styles</a:t>
             </a:r>
           </a:p>
           <a:p>
             <a:pPr lvl="1"/>
             <a:r>
-              <a:rPr lang="en-US" smtClean="0"/>
+              <a:rPr lang="en-US"/>
               <a:t>Second level</a:t>
             </a:r>
           </a:p>
           <a:p>
             <a:pPr lvl="2"/>
             <a:r>
-              <a:rPr lang="en-US" smtClean="0"/>
+              <a:rPr lang="en-US"/>
               <a:t>Third level</a:t>
             </a:r>
           </a:p>
           <a:p>
             <a:pPr lvl="3"/>
             <a:r>
-              <a:rPr lang="en-US" smtClean="0"/>
+              <a:rPr lang="en-US"/>
               <a:t>Fourth level</a:t>
             </a:r>
           </a:p>
           <a:p>
             <a:pPr lvl="4"/>
             <a:r>
-              <a:rPr lang="en-US" smtClean="0"/>
+              <a:rPr lang="en-US"/>
               <a:t>Fifth level</a:t>
             </a:r>
-            <a:endParaRPr lang="en-US"/>
           </a:p>
         </p:txBody>
       </p:sp>
@@ -1615,7 +1600,7 @@
           <a:p>
             <a:fld id="{F1FA7AC5-6045-4418-8E60-F48788734473}" type="datetimeFigureOut">
               <a:rPr lang="en-US" smtClean="0"/>
-              <a:t>1/8/2017</a:t>
+              <a:t>1/24/2017</a:t>
             </a:fld>
             <a:endParaRPr lang="en-US"/>
           </a:p>
@@ -1709,10 +1694,9 @@
           <a:lstStyle/>
           <a:p>
             <a:r>
-              <a:rPr lang="en-US" smtClean="0"/>
+              <a:rPr lang="en-US"/>
               <a:t>Click to edit Master title style</a:t>
             </a:r>
-            <a:endParaRPr lang="en-US"/>
           </a:p>
         </p:txBody>
       </p:sp>
@@ -1733,7 +1717,7 @@
           <a:p>
             <a:fld id="{F1FA7AC5-6045-4418-8E60-F48788734473}" type="datetimeFigureOut">
               <a:rPr lang="en-US" smtClean="0"/>
-              <a:t>1/8/2017</a:t>
+              <a:t>1/24/2017</a:t>
             </a:fld>
             <a:endParaRPr lang="en-US"/>
           </a:p>
@@ -1828,7 +1812,7 @@
           <a:p>
             <a:fld id="{F1FA7AC5-6045-4418-8E60-F48788734473}" type="datetimeFigureOut">
               <a:rPr lang="en-US" smtClean="0"/>
-              <a:t>1/8/2017</a:t>
+              <a:t>1/24/2017</a:t>
             </a:fld>
             <a:endParaRPr lang="en-US"/>
           </a:p>
@@ -1931,10 +1915,9 @@
           </a:lstStyle>
           <a:p>
             <a:r>
-              <a:rPr lang="en-US" smtClean="0"/>
+              <a:rPr lang="en-US"/>
               <a:t>Click to edit Master title style</a:t>
             </a:r>
-            <a:endParaRPr lang="en-US"/>
           </a:p>
         </p:txBody>
       </p:sp>
@@ -1988,38 +1971,37 @@
           <a:p>
             <a:pPr lvl="0"/>
             <a:r>
-              <a:rPr lang="en-US" smtClean="0"/>
+              <a:rPr lang="en-US"/>
               <a:t>Click to edit Master text styles</a:t>
             </a:r>
           </a:p>
           <a:p>
             <a:pPr lvl="1"/>
             <a:r>
-              <a:rPr lang="en-US" smtClean="0"/>
+              <a:rPr lang="en-US"/>
               <a:t>Second level</a:t>
             </a:r>
           </a:p>
           <a:p>
             <a:pPr lvl="2"/>
             <a:r>
-              <a:rPr lang="en-US" smtClean="0"/>
+              <a:rPr lang="en-US"/>
               <a:t>Third level</a:t>
             </a:r>
           </a:p>
           <a:p>
             <a:pPr lvl="3"/>
             <a:r>
-              <a:rPr lang="en-US" smtClean="0"/>
+              <a:rPr lang="en-US"/>
               <a:t>Fourth level</a:t>
             </a:r>
           </a:p>
           <a:p>
             <a:pPr lvl="4"/>
             <a:r>
-              <a:rPr lang="en-US" smtClean="0"/>
+              <a:rPr lang="en-US"/>
               <a:t>Fifth level</a:t>
             </a:r>
-            <a:endParaRPr lang="en-US"/>
           </a:p>
         </p:txBody>
       </p:sp>
@@ -2082,7 +2064,7 @@
           <a:p>
             <a:pPr lvl="0"/>
             <a:r>
-              <a:rPr lang="en-US" smtClean="0"/>
+              <a:rPr lang="en-US"/>
               <a:t>Click to edit Master text styles</a:t>
             </a:r>
           </a:p>
@@ -2105,7 +2087,7 @@
           <a:p>
             <a:fld id="{F1FA7AC5-6045-4418-8E60-F48788734473}" type="datetimeFigureOut">
               <a:rPr lang="en-US" smtClean="0"/>
-              <a:t>1/8/2017</a:t>
+              <a:t>1/24/2017</a:t>
             </a:fld>
             <a:endParaRPr lang="en-US"/>
           </a:p>
@@ -2208,10 +2190,9 @@
           </a:lstStyle>
           <a:p>
             <a:r>
-              <a:rPr lang="en-US" smtClean="0"/>
+              <a:rPr lang="en-US"/>
               <a:t>Click to edit Master title style</a:t>
             </a:r>
-            <a:endParaRPr lang="en-US"/>
           </a:p>
         </p:txBody>
       </p:sp>
@@ -2335,7 +2316,7 @@
           <a:p>
             <a:pPr lvl="0"/>
             <a:r>
-              <a:rPr lang="en-US" smtClean="0"/>
+              <a:rPr lang="en-US"/>
               <a:t>Click to edit Master text styles</a:t>
             </a:r>
           </a:p>
@@ -2358,7 +2339,7 @@
           <a:p>
             <a:fld id="{F1FA7AC5-6045-4418-8E60-F48788734473}" type="datetimeFigureOut">
               <a:rPr lang="en-US" smtClean="0"/>
-              <a:t>1/8/2017</a:t>
+              <a:t>1/24/2017</a:t>
             </a:fld>
             <a:endParaRPr lang="en-US"/>
           </a:p>
@@ -2472,10 +2453,9 @@
           <a:lstStyle/>
           <a:p>
             <a:r>
-              <a:rPr lang="en-US" smtClean="0"/>
+              <a:rPr lang="en-US"/>
               <a:t>Click to edit Master title style</a:t>
             </a:r>
-            <a:endParaRPr lang="en-US"/>
           </a:p>
         </p:txBody>
       </p:sp>
@@ -2506,38 +2486,37 @@
           <a:p>
             <a:pPr lvl="0"/>
             <a:r>
-              <a:rPr lang="en-US" smtClean="0"/>
+              <a:rPr lang="en-US"/>
               <a:t>Click to edit Master text styles</a:t>
             </a:r>
           </a:p>
           <a:p>
             <a:pPr lvl="1"/>
             <a:r>
-              <a:rPr lang="en-US" smtClean="0"/>
+              <a:rPr lang="en-US"/>
               <a:t>Second level</a:t>
             </a:r>
           </a:p>
           <a:p>
             <a:pPr lvl="2"/>
             <a:r>
-              <a:rPr lang="en-US" smtClean="0"/>
+              <a:rPr lang="en-US"/>
               <a:t>Third level</a:t>
             </a:r>
           </a:p>
           <a:p>
             <a:pPr lvl="3"/>
             <a:r>
-              <a:rPr lang="en-US" smtClean="0"/>
+              <a:rPr lang="en-US"/>
               <a:t>Fourth level</a:t>
             </a:r>
           </a:p>
           <a:p>
             <a:pPr lvl="4"/>
             <a:r>
-              <a:rPr lang="en-US" smtClean="0"/>
+              <a:rPr lang="en-US"/>
               <a:t>Fifth level</a:t>
             </a:r>
-            <a:endParaRPr lang="en-US"/>
           </a:p>
         </p:txBody>
       </p:sp>
@@ -2576,7 +2555,7 @@
           <a:p>
             <a:fld id="{F1FA7AC5-6045-4418-8E60-F48788734473}" type="datetimeFigureOut">
               <a:rPr lang="en-US" smtClean="0"/>
-              <a:t>1/8/2017</a:t>
+              <a:t>1/24/2017</a:t>
             </a:fld>
             <a:endParaRPr lang="en-US"/>
           </a:p>
@@ -3004,10 +2983,9 @@
           <a:lstStyle/>
           <a:p>
             <a:r>
-              <a:rPr lang="en-US" dirty="0" smtClean="0"/>
+              <a:rPr lang="en-US" dirty="0"/>
               <a:t>Object Classification and Recognition</a:t>
             </a:r>
-            <a:endParaRPr lang="en-US" dirty="0"/>
           </a:p>
         </p:txBody>
       </p:sp>
@@ -3034,10 +3012,9 @@
           <a:lstStyle/>
           <a:p>
             <a:r>
-              <a:rPr lang="en-US" dirty="0" smtClean="0"/>
+              <a:rPr lang="en-US" dirty="0"/>
               <a:t>Shreenidhi Sudhakar</a:t>
             </a:r>
-            <a:endParaRPr lang="en-US" dirty="0"/>
           </a:p>
         </p:txBody>
       </p:sp>
@@ -3051,13 +3028,14 @@
   <p:clrMapOvr>
     <a:masterClrMapping/>
   </p:clrMapOvr>
-  <p:timing>
-    <p:tnLst>
-      <p:par>
-        <p:cTn id="1" dur="indefinite" restart="never" nodeType="tmRoot"/>
-      </p:par>
-    </p:tnLst>
-  </p:timing>
+  <mc:AlternateContent xmlns:mc="http://schemas.openxmlformats.org/markup-compatibility/2006" xmlns:p14="http://schemas.microsoft.com/office/powerpoint/2010/main">
+    <mc:Choice Requires="p14">
+      <p:transition spd="slow" p14:dur="2000" advTm="15021"/>
+    </mc:Choice>
+    <mc:Fallback xmlns="">
+      <p:transition spd="slow" advTm="15021"/>
+    </mc:Fallback>
+  </mc:AlternateContent>
 </p:sld>
 </file>
 
@@ -3095,10 +3073,9 @@
           <a:p>
             <a:pPr algn="ctr"/>
             <a:r>
-              <a:rPr lang="en-US" dirty="0" smtClean="0"/>
+              <a:rPr lang="en-US" dirty="0"/>
               <a:t>Convolution</a:t>
             </a:r>
-            <a:endParaRPr lang="en-US" dirty="0"/>
           </a:p>
         </p:txBody>
       </p:sp>
@@ -3155,31 +3132,26 @@
           <a:p>
             <a:r>
               <a:rPr lang="en-US" dirty="0"/>
-              <a:t>x</a:t>
-            </a:r>
-            <a:r>
-              <a:rPr lang="en-US" dirty="0" smtClean="0"/>
-              <a:t> = linear signal</a:t>
-            </a:r>
-          </a:p>
-          <a:p>
-            <a:endParaRPr lang="en-US" dirty="0" smtClean="0"/>
-          </a:p>
-          <a:p>
-            <a:r>
-              <a:rPr lang="en-US" dirty="0" smtClean="0"/>
+              <a:t>x = linear signal</a:t>
+            </a:r>
+          </a:p>
+          <a:p>
+            <a:endParaRPr lang="en-US" dirty="0"/>
+          </a:p>
+          <a:p>
+            <a:r>
+              <a:rPr lang="en-US" dirty="0"/>
               <a:t>h = impulse signal</a:t>
             </a:r>
           </a:p>
           <a:p>
-            <a:endParaRPr lang="en-US" dirty="0" smtClean="0"/>
-          </a:p>
-          <a:p>
-            <a:r>
-              <a:rPr lang="en-US" dirty="0" smtClean="0"/>
+            <a:endParaRPr lang="en-US" dirty="0"/>
+          </a:p>
+          <a:p>
+            <a:r>
+              <a:rPr lang="en-US" dirty="0"/>
               <a:t>y = convolved signal</a:t>
             </a:r>
-            <a:endParaRPr lang="en-US" dirty="0"/>
           </a:p>
         </p:txBody>
       </p:sp>
@@ -3193,13 +3165,14 @@
   <p:clrMapOvr>
     <a:masterClrMapping/>
   </p:clrMapOvr>
-  <p:timing>
-    <p:tnLst>
-      <p:par>
-        <p:cTn id="1" dur="indefinite" restart="never" nodeType="tmRoot"/>
-      </p:par>
-    </p:tnLst>
-  </p:timing>
+  <mc:AlternateContent xmlns:mc="http://schemas.openxmlformats.org/markup-compatibility/2006" xmlns:p14="http://schemas.microsoft.com/office/powerpoint/2010/main">
+    <mc:Choice Requires="p14">
+      <p:transition spd="slow" p14:dur="2000" advTm="205558"/>
+    </mc:Choice>
+    <mc:Fallback xmlns="">
+      <p:transition spd="slow" advTm="205558"/>
+    </mc:Fallback>
+  </mc:AlternateContent>
 </p:sld>
 </file>
 
@@ -3237,14 +3210,13 @@
           <a:p>
             <a:pPr algn="ctr"/>
             <a:r>
-              <a:rPr lang="en-US" dirty="0" err="1" smtClean="0"/>
+              <a:rPr lang="en-US" dirty="0" err="1"/>
               <a:t>ReLu</a:t>
             </a:r>
             <a:r>
-              <a:rPr lang="en-US" dirty="0" smtClean="0"/>
+              <a:rPr lang="en-US" dirty="0"/>
               <a:t> and Max Pooling</a:t>
             </a:r>
-            <a:endParaRPr lang="en-US" dirty="0"/>
           </a:p>
         </p:txBody>
       </p:sp>
@@ -3270,7 +3242,7 @@
           <a:p>
             <a:pPr algn="ctr"/>
             <a:r>
-              <a:rPr lang="en-US" dirty="0" err="1" smtClean="0"/>
+              <a:rPr lang="en-US" dirty="0" err="1"/>
               <a:t>ReLU</a:t>
             </a:r>
             <a:endParaRPr lang="en-US" dirty="0"/>
@@ -3328,10 +3300,9 @@
           <a:p>
             <a:pPr algn="ctr"/>
             <a:r>
-              <a:rPr lang="en-US" dirty="0" smtClean="0"/>
+              <a:rPr lang="en-US" dirty="0"/>
               <a:t>Max Pool</a:t>
             </a:r>
-            <a:endParaRPr lang="en-US" dirty="0"/>
           </a:p>
         </p:txBody>
       </p:sp>
@@ -3374,6 +3345,14 @@
   <p:clrMapOvr>
     <a:masterClrMapping/>
   </p:clrMapOvr>
+  <mc:AlternateContent xmlns:mc="http://schemas.openxmlformats.org/markup-compatibility/2006" xmlns:p14="http://schemas.microsoft.com/office/powerpoint/2010/main">
+    <mc:Choice Requires="p14">
+      <p:transition spd="slow" p14:dur="2000" advTm="140443"/>
+    </mc:Choice>
+    <mc:Fallback xmlns="">
+      <p:transition spd="slow" advTm="140443"/>
+    </mc:Fallback>
+  </mc:AlternateContent>
 </p:sld>
 </file>
 
@@ -3411,10 +3390,9 @@
           <a:p>
             <a:pPr algn="ctr"/>
             <a:r>
-              <a:rPr lang="en-US" dirty="0" smtClean="0"/>
+              <a:rPr lang="en-US" dirty="0"/>
               <a:t>Convolution Neural Network</a:t>
             </a:r>
-            <a:endParaRPr lang="en-US" dirty="0"/>
           </a:p>
         </p:txBody>
       </p:sp>
@@ -3457,13 +3435,14 @@
   <p:clrMapOvr>
     <a:masterClrMapping/>
   </p:clrMapOvr>
-  <p:timing>
-    <p:tnLst>
-      <p:par>
-        <p:cTn id="1" dur="indefinite" restart="never" nodeType="tmRoot"/>
-      </p:par>
-    </p:tnLst>
-  </p:timing>
+  <mc:AlternateContent xmlns:mc="http://schemas.openxmlformats.org/markup-compatibility/2006" xmlns:p14="http://schemas.microsoft.com/office/powerpoint/2010/main">
+    <mc:Choice Requires="p14">
+      <p:transition spd="slow" p14:dur="2000" advTm="100257"/>
+    </mc:Choice>
+    <mc:Fallback xmlns="">
+      <p:transition spd="slow" advTm="100257"/>
+    </mc:Fallback>
+  </mc:AlternateContent>
 </p:sld>
 </file>
 
@@ -3501,10 +3480,9 @@
           <a:p>
             <a:pPr algn="ctr"/>
             <a:r>
-              <a:rPr lang="en-US" dirty="0" smtClean="0"/>
+              <a:rPr lang="en-US" dirty="0"/>
               <a:t>Results</a:t>
             </a:r>
-            <a:endParaRPr lang="en-US" dirty="0"/>
           </a:p>
         </p:txBody>
       </p:sp>
@@ -3597,15 +3575,7 @@
             </a:pPr>
             <a:r>
               <a:rPr lang="en-US" sz="1200" i="1" dirty="0"/>
-              <a:t>Visualization </a:t>
-            </a:r>
-            <a:r>
-              <a:rPr lang="en-US" sz="1200" i="1" dirty="0" smtClean="0"/>
-              <a:t>Tool In </a:t>
-            </a:r>
-            <a:r>
-              <a:rPr lang="en-US" sz="1200" i="1" dirty="0"/>
-              <a:t>TensorFlow</a:t>
+              <a:t>Visualization Tool In TensorFlow</a:t>
             </a:r>
           </a:p>
           <a:p>
@@ -3623,13 +3593,14 @@
   <p:clrMapOvr>
     <a:masterClrMapping/>
   </p:clrMapOvr>
-  <p:timing>
-    <p:tnLst>
-      <p:par>
-        <p:cTn id="1" dur="indefinite" restart="never" nodeType="tmRoot"/>
-      </p:par>
-    </p:tnLst>
-  </p:timing>
+  <mc:AlternateContent xmlns:mc="http://schemas.openxmlformats.org/markup-compatibility/2006" xmlns:p14="http://schemas.microsoft.com/office/powerpoint/2010/main">
+    <mc:Choice Requires="p14">
+      <p:transition spd="slow" p14:dur="2000" advTm="77336"/>
+    </mc:Choice>
+    <mc:Fallback xmlns="">
+      <p:transition spd="slow" advTm="77336"/>
+    </mc:Fallback>
+  </mc:AlternateContent>
 </p:sld>
 </file>
 
@@ -3667,10 +3638,9 @@
           <a:p>
             <a:pPr algn="ctr"/>
             <a:r>
-              <a:rPr lang="en-US" dirty="0" smtClean="0"/>
+              <a:rPr lang="en-US" dirty="0"/>
               <a:t>Results</a:t>
             </a:r>
-            <a:endParaRPr lang="en-US" dirty="0"/>
           </a:p>
         </p:txBody>
       </p:sp>
@@ -3691,10 +3661,9 @@
           <a:p>
             <a:pPr algn="ctr"/>
             <a:r>
-              <a:rPr lang="en-US" dirty="0" smtClean="0"/>
+              <a:rPr lang="en-US" dirty="0"/>
               <a:t>Cross Entropy</a:t>
             </a:r>
-            <a:endParaRPr lang="en-US" dirty="0"/>
           </a:p>
         </p:txBody>
       </p:sp>
@@ -3744,10 +3713,9 @@
           <a:p>
             <a:pPr algn="ctr"/>
             <a:r>
-              <a:rPr lang="en-US" dirty="0" smtClean="0"/>
+              <a:rPr lang="en-US" dirty="0"/>
               <a:t>Accuracy</a:t>
             </a:r>
-            <a:endParaRPr lang="en-US" dirty="0"/>
           </a:p>
         </p:txBody>
       </p:sp>
@@ -3790,13 +3758,14 @@
   <p:clrMapOvr>
     <a:masterClrMapping/>
   </p:clrMapOvr>
-  <p:timing>
-    <p:tnLst>
-      <p:par>
-        <p:cTn id="1" dur="indefinite" restart="never" nodeType="tmRoot"/>
-      </p:par>
-    </p:tnLst>
-  </p:timing>
+  <mc:AlternateContent xmlns:mc="http://schemas.openxmlformats.org/markup-compatibility/2006" xmlns:p14="http://schemas.microsoft.com/office/powerpoint/2010/main">
+    <mc:Choice Requires="p14">
+      <p:transition spd="slow" p14:dur="2000" advTm="41956"/>
+    </mc:Choice>
+    <mc:Fallback xmlns="">
+      <p:transition spd="slow" advTm="41956"/>
+    </mc:Fallback>
+  </mc:AlternateContent>
 </p:sld>
 </file>
 
@@ -3834,10 +3803,9 @@
           <a:p>
             <a:pPr algn="ctr"/>
             <a:r>
-              <a:rPr lang="en-US" dirty="0" smtClean="0"/>
+              <a:rPr lang="en-US" dirty="0"/>
               <a:t>Real Time Application</a:t>
             </a:r>
-            <a:endParaRPr lang="en-US" dirty="0"/>
           </a:p>
         </p:txBody>
       </p:sp>
@@ -3858,11 +3826,11 @@
           </a:bodyPr>
           <a:lstStyle/>
           <a:p>
-            <a:endParaRPr lang="en-US" dirty="0" smtClean="0"/>
-          </a:p>
-          <a:p>
-            <a:r>
-              <a:rPr lang="en-US" dirty="0" smtClean="0"/>
+            <a:endParaRPr lang="en-US" dirty="0"/>
+          </a:p>
+          <a:p>
+            <a:r>
+              <a:rPr lang="en-US" dirty="0"/>
               <a:t>Video Analysis</a:t>
             </a:r>
           </a:p>
@@ -3871,16 +3839,16 @@
           </a:p>
           <a:p>
             <a:r>
-              <a:rPr lang="en-US" dirty="0" smtClean="0"/>
+              <a:rPr lang="en-US" dirty="0"/>
               <a:t>Image Recognition</a:t>
             </a:r>
           </a:p>
           <a:p>
-            <a:endParaRPr lang="en-US" dirty="0" smtClean="0"/>
-          </a:p>
-          <a:p>
-            <a:r>
-              <a:rPr lang="en-US" dirty="0" smtClean="0"/>
+            <a:endParaRPr lang="en-US" dirty="0"/>
+          </a:p>
+          <a:p>
+            <a:r>
+              <a:rPr lang="en-US" dirty="0"/>
               <a:t>Natural Language Processing</a:t>
             </a:r>
           </a:p>
@@ -3888,11 +3856,7 @@
             <a:pPr lvl="1"/>
             <a:r>
               <a:rPr lang="en-US" dirty="0"/>
-              <a:t>S</a:t>
-            </a:r>
-            <a:r>
-              <a:rPr lang="en-US" dirty="0" smtClean="0"/>
-              <a:t>emantic parsing,</a:t>
+              <a:t>Semantic parsing,</a:t>
             </a:r>
             <a:r>
               <a:rPr lang="en-US" baseline="30000" dirty="0"/>
@@ -3900,29 +3864,8 @@
             </a:r>
             <a:r>
               <a:rPr lang="en-US" dirty="0"/>
-              <a:t>s</a:t>
-            </a:r>
-            <a:r>
-              <a:rPr lang="en-US" dirty="0" smtClean="0"/>
-              <a:t>earch </a:t>
-            </a:r>
-            <a:r>
-              <a:rPr lang="en-US" dirty="0"/>
-              <a:t>query retrieval</a:t>
-            </a:r>
-            <a:r>
-              <a:rPr lang="en-US" dirty="0" smtClean="0"/>
-              <a:t>,</a:t>
-            </a:r>
-            <a:r>
-              <a:rPr lang="en-US" dirty="0"/>
-              <a:t> sentence </a:t>
-            </a:r>
-            <a:r>
-              <a:rPr lang="en-US" dirty="0" smtClean="0"/>
-              <a:t>modeling</a:t>
-            </a:r>
-            <a:endParaRPr lang="en-US" dirty="0"/>
+              <a:t>search query retrieval, sentence modeling</a:t>
+            </a:r>
           </a:p>
         </p:txBody>
       </p:sp>
@@ -3936,13 +3879,14 @@
   <p:clrMapOvr>
     <a:masterClrMapping/>
   </p:clrMapOvr>
-  <p:timing>
-    <p:tnLst>
-      <p:par>
-        <p:cTn id="1" dur="indefinite" restart="never" nodeType="tmRoot"/>
-      </p:par>
-    </p:tnLst>
-  </p:timing>
+  <mc:AlternateContent xmlns:mc="http://schemas.openxmlformats.org/markup-compatibility/2006" xmlns:p14="http://schemas.microsoft.com/office/powerpoint/2010/main">
+    <mc:Choice Requires="p14">
+      <p:transition spd="slow" p14:dur="2000" advTm="62362"/>
+    </mc:Choice>
+    <mc:Fallback xmlns="">
+      <p:transition spd="slow" advTm="62362"/>
+    </mc:Fallback>
+  </mc:AlternateContent>
 </p:sld>
 </file>
 
@@ -3981,10 +3925,9 @@
           <a:lstStyle/>
           <a:p>
             <a:r>
-              <a:rPr lang="en-US" sz="7200" dirty="0" smtClean="0"/>
+              <a:rPr lang="en-US" sz="7200" dirty="0"/>
               <a:t>Thank You</a:t>
             </a:r>
-            <a:endParaRPr lang="en-US" sz="7200" dirty="0"/>
           </a:p>
         </p:txBody>
       </p:sp>
@@ -4009,10 +3952,9 @@
           <a:lstStyle/>
           <a:p>
             <a:r>
-              <a:rPr lang="en-US" dirty="0" smtClean="0"/>
+              <a:rPr lang="en-US" dirty="0"/>
               <a:t>Check Out: shreenidhi.azurewebsites.net</a:t>
             </a:r>
-            <a:endParaRPr lang="en-US" dirty="0"/>
           </a:p>
         </p:txBody>
       </p:sp>
@@ -4026,6 +3968,14 @@
   <p:clrMapOvr>
     <a:masterClrMapping/>
   </p:clrMapOvr>
+  <mc:AlternateContent xmlns:mc="http://schemas.openxmlformats.org/markup-compatibility/2006" xmlns:p14="http://schemas.microsoft.com/office/powerpoint/2010/main">
+    <mc:Choice Requires="p14">
+      <p:transition spd="slow" p14:dur="2000" advTm="41100"/>
+    </mc:Choice>
+    <mc:Fallback xmlns="">
+      <p:transition spd="slow" advTm="41100"/>
+    </mc:Fallback>
+  </mc:AlternateContent>
 </p:sld>
 </file>
 

--- a/CNN/doc/Object Classification and Recognition.pptx
+++ b/CNN/doc/Object Classification and Recognition.pptx
@@ -161,9 +161,10 @@
           </a:lstStyle>
           <a:p>
             <a:r>
-              <a:rPr lang="en-US"/>
+              <a:rPr lang="en-US" smtClean="0"/>
               <a:t>Click to edit Master title style</a:t>
             </a:r>
+            <a:endParaRPr lang="en-US"/>
           </a:p>
         </p:txBody>
       </p:sp>
@@ -225,9 +226,10 @@
           </a:lstStyle>
           <a:p>
             <a:r>
-              <a:rPr lang="en-US"/>
+              <a:rPr lang="en-US" smtClean="0"/>
               <a:t>Click to edit Master subtitle style</a:t>
             </a:r>
+            <a:endParaRPr lang="en-US"/>
           </a:p>
         </p:txBody>
       </p:sp>
@@ -248,7 +250,7 @@
           <a:p>
             <a:fld id="{F1FA7AC5-6045-4418-8E60-F48788734473}" type="datetimeFigureOut">
               <a:rPr lang="en-US" smtClean="0"/>
-              <a:t>1/24/2017</a:t>
+              <a:t>1/8/2017</a:t>
             </a:fld>
             <a:endParaRPr lang="en-US"/>
           </a:p>
@@ -342,9 +344,10 @@
           <a:lstStyle/>
           <a:p>
             <a:r>
-              <a:rPr lang="en-US"/>
+              <a:rPr lang="en-US" smtClean="0"/>
               <a:t>Click to edit Master title style</a:t>
             </a:r>
+            <a:endParaRPr lang="en-US"/>
           </a:p>
         </p:txBody>
       </p:sp>
@@ -365,37 +368,38 @@
           <a:p>
             <a:pPr lvl="0"/>
             <a:r>
-              <a:rPr lang="en-US"/>
+              <a:rPr lang="en-US" smtClean="0"/>
               <a:t>Click to edit Master text styles</a:t>
             </a:r>
           </a:p>
           <a:p>
             <a:pPr lvl="1"/>
             <a:r>
-              <a:rPr lang="en-US"/>
+              <a:rPr lang="en-US" smtClean="0"/>
               <a:t>Second level</a:t>
             </a:r>
           </a:p>
           <a:p>
             <a:pPr lvl="2"/>
             <a:r>
-              <a:rPr lang="en-US"/>
+              <a:rPr lang="en-US" smtClean="0"/>
               <a:t>Third level</a:t>
             </a:r>
           </a:p>
           <a:p>
             <a:pPr lvl="3"/>
             <a:r>
-              <a:rPr lang="en-US"/>
+              <a:rPr lang="en-US" smtClean="0"/>
               <a:t>Fourth level</a:t>
             </a:r>
           </a:p>
           <a:p>
             <a:pPr lvl="4"/>
             <a:r>
-              <a:rPr lang="en-US"/>
+              <a:rPr lang="en-US" smtClean="0"/>
               <a:t>Fifth level</a:t>
             </a:r>
+            <a:endParaRPr lang="en-US"/>
           </a:p>
         </p:txBody>
       </p:sp>
@@ -416,7 +420,7 @@
           <a:p>
             <a:fld id="{F1FA7AC5-6045-4418-8E60-F48788734473}" type="datetimeFigureOut">
               <a:rPr lang="en-US" smtClean="0"/>
-              <a:t>1/24/2017</a:t>
+              <a:t>1/8/2017</a:t>
             </a:fld>
             <a:endParaRPr lang="en-US"/>
           </a:p>
@@ -515,9 +519,10 @@
           <a:lstStyle/>
           <a:p>
             <a:r>
-              <a:rPr lang="en-US"/>
+              <a:rPr lang="en-US" smtClean="0"/>
               <a:t>Click to edit Master title style</a:t>
             </a:r>
+            <a:endParaRPr lang="en-US"/>
           </a:p>
         </p:txBody>
       </p:sp>
@@ -543,37 +548,38 @@
           <a:p>
             <a:pPr lvl="0"/>
             <a:r>
-              <a:rPr lang="en-US"/>
+              <a:rPr lang="en-US" smtClean="0"/>
               <a:t>Click to edit Master text styles</a:t>
             </a:r>
           </a:p>
           <a:p>
             <a:pPr lvl="1"/>
             <a:r>
-              <a:rPr lang="en-US"/>
+              <a:rPr lang="en-US" smtClean="0"/>
               <a:t>Second level</a:t>
             </a:r>
           </a:p>
           <a:p>
             <a:pPr lvl="2"/>
             <a:r>
-              <a:rPr lang="en-US"/>
+              <a:rPr lang="en-US" smtClean="0"/>
               <a:t>Third level</a:t>
             </a:r>
           </a:p>
           <a:p>
             <a:pPr lvl="3"/>
             <a:r>
-              <a:rPr lang="en-US"/>
+              <a:rPr lang="en-US" smtClean="0"/>
               <a:t>Fourth level</a:t>
             </a:r>
           </a:p>
           <a:p>
             <a:pPr lvl="4"/>
             <a:r>
-              <a:rPr lang="en-US"/>
+              <a:rPr lang="en-US" smtClean="0"/>
               <a:t>Fifth level</a:t>
             </a:r>
+            <a:endParaRPr lang="en-US"/>
           </a:p>
         </p:txBody>
       </p:sp>
@@ -594,7 +600,7 @@
           <a:p>
             <a:fld id="{F1FA7AC5-6045-4418-8E60-F48788734473}" type="datetimeFigureOut">
               <a:rPr lang="en-US" smtClean="0"/>
-              <a:t>1/24/2017</a:t>
+              <a:t>1/8/2017</a:t>
             </a:fld>
             <a:endParaRPr lang="en-US"/>
           </a:p>
@@ -688,9 +694,10 @@
           <a:lstStyle/>
           <a:p>
             <a:r>
-              <a:rPr lang="en-US"/>
+              <a:rPr lang="en-US" smtClean="0"/>
               <a:t>Click to edit Master title style</a:t>
             </a:r>
+            <a:endParaRPr lang="en-US"/>
           </a:p>
         </p:txBody>
       </p:sp>
@@ -711,37 +718,38 @@
           <a:p>
             <a:pPr lvl="0"/>
             <a:r>
-              <a:rPr lang="en-US"/>
+              <a:rPr lang="en-US" smtClean="0"/>
               <a:t>Click to edit Master text styles</a:t>
             </a:r>
           </a:p>
           <a:p>
             <a:pPr lvl="1"/>
             <a:r>
-              <a:rPr lang="en-US"/>
+              <a:rPr lang="en-US" smtClean="0"/>
               <a:t>Second level</a:t>
             </a:r>
           </a:p>
           <a:p>
             <a:pPr lvl="2"/>
             <a:r>
-              <a:rPr lang="en-US"/>
+              <a:rPr lang="en-US" smtClean="0"/>
               <a:t>Third level</a:t>
             </a:r>
           </a:p>
           <a:p>
             <a:pPr lvl="3"/>
             <a:r>
-              <a:rPr lang="en-US"/>
+              <a:rPr lang="en-US" smtClean="0"/>
               <a:t>Fourth level</a:t>
             </a:r>
           </a:p>
           <a:p>
             <a:pPr lvl="4"/>
             <a:r>
-              <a:rPr lang="en-US"/>
+              <a:rPr lang="en-US" smtClean="0"/>
               <a:t>Fifth level</a:t>
             </a:r>
+            <a:endParaRPr lang="en-US"/>
           </a:p>
         </p:txBody>
       </p:sp>
@@ -762,7 +770,7 @@
           <a:p>
             <a:fld id="{F1FA7AC5-6045-4418-8E60-F48788734473}" type="datetimeFigureOut">
               <a:rPr lang="en-US" smtClean="0"/>
-              <a:t>1/24/2017</a:t>
+              <a:t>1/8/2017</a:t>
             </a:fld>
             <a:endParaRPr lang="en-US"/>
           </a:p>
@@ -865,9 +873,10 @@
           </a:lstStyle>
           <a:p>
             <a:r>
-              <a:rPr lang="en-US"/>
+              <a:rPr lang="en-US" smtClean="0"/>
               <a:t>Click to edit Master title style</a:t>
             </a:r>
+            <a:endParaRPr lang="en-US"/>
           </a:p>
         </p:txBody>
       </p:sp>
@@ -984,7 +993,7 @@
           <a:p>
             <a:pPr lvl="0"/>
             <a:r>
-              <a:rPr lang="en-US"/>
+              <a:rPr lang="en-US" smtClean="0"/>
               <a:t>Click to edit Master text styles</a:t>
             </a:r>
           </a:p>
@@ -1007,7 +1016,7 @@
           <a:p>
             <a:fld id="{F1FA7AC5-6045-4418-8E60-F48788734473}" type="datetimeFigureOut">
               <a:rPr lang="en-US" smtClean="0"/>
-              <a:t>1/24/2017</a:t>
+              <a:t>1/8/2017</a:t>
             </a:fld>
             <a:endParaRPr lang="en-US"/>
           </a:p>
@@ -1101,9 +1110,10 @@
           <a:lstStyle/>
           <a:p>
             <a:r>
-              <a:rPr lang="en-US"/>
+              <a:rPr lang="en-US" smtClean="0"/>
               <a:t>Click to edit Master title style</a:t>
             </a:r>
+            <a:endParaRPr lang="en-US"/>
           </a:p>
         </p:txBody>
       </p:sp>
@@ -1129,37 +1139,38 @@
           <a:p>
             <a:pPr lvl="0"/>
             <a:r>
-              <a:rPr lang="en-US"/>
+              <a:rPr lang="en-US" smtClean="0"/>
               <a:t>Click to edit Master text styles</a:t>
             </a:r>
           </a:p>
           <a:p>
             <a:pPr lvl="1"/>
             <a:r>
-              <a:rPr lang="en-US"/>
+              <a:rPr lang="en-US" smtClean="0"/>
               <a:t>Second level</a:t>
             </a:r>
           </a:p>
           <a:p>
             <a:pPr lvl="2"/>
             <a:r>
-              <a:rPr lang="en-US"/>
+              <a:rPr lang="en-US" smtClean="0"/>
               <a:t>Third level</a:t>
             </a:r>
           </a:p>
           <a:p>
             <a:pPr lvl="3"/>
             <a:r>
-              <a:rPr lang="en-US"/>
+              <a:rPr lang="en-US" smtClean="0"/>
               <a:t>Fourth level</a:t>
             </a:r>
           </a:p>
           <a:p>
             <a:pPr lvl="4"/>
             <a:r>
-              <a:rPr lang="en-US"/>
+              <a:rPr lang="en-US" smtClean="0"/>
               <a:t>Fifth level</a:t>
             </a:r>
+            <a:endParaRPr lang="en-US"/>
           </a:p>
         </p:txBody>
       </p:sp>
@@ -1185,37 +1196,38 @@
           <a:p>
             <a:pPr lvl="0"/>
             <a:r>
-              <a:rPr lang="en-US"/>
+              <a:rPr lang="en-US" smtClean="0"/>
               <a:t>Click to edit Master text styles</a:t>
             </a:r>
           </a:p>
           <a:p>
             <a:pPr lvl="1"/>
             <a:r>
-              <a:rPr lang="en-US"/>
+              <a:rPr lang="en-US" smtClean="0"/>
               <a:t>Second level</a:t>
             </a:r>
           </a:p>
           <a:p>
             <a:pPr lvl="2"/>
             <a:r>
-              <a:rPr lang="en-US"/>
+              <a:rPr lang="en-US" smtClean="0"/>
               <a:t>Third level</a:t>
             </a:r>
           </a:p>
           <a:p>
             <a:pPr lvl="3"/>
             <a:r>
-              <a:rPr lang="en-US"/>
+              <a:rPr lang="en-US" smtClean="0"/>
               <a:t>Fourth level</a:t>
             </a:r>
           </a:p>
           <a:p>
             <a:pPr lvl="4"/>
             <a:r>
-              <a:rPr lang="en-US"/>
+              <a:rPr lang="en-US" smtClean="0"/>
               <a:t>Fifth level</a:t>
             </a:r>
+            <a:endParaRPr lang="en-US"/>
           </a:p>
         </p:txBody>
       </p:sp>
@@ -1236,7 +1248,7 @@
           <a:p>
             <a:fld id="{F1FA7AC5-6045-4418-8E60-F48788734473}" type="datetimeFigureOut">
               <a:rPr lang="en-US" smtClean="0"/>
-              <a:t>1/24/2017</a:t>
+              <a:t>1/8/2017</a:t>
             </a:fld>
             <a:endParaRPr lang="en-US"/>
           </a:p>
@@ -1335,9 +1347,10 @@
           <a:lstStyle/>
           <a:p>
             <a:r>
-              <a:rPr lang="en-US"/>
+              <a:rPr lang="en-US" smtClean="0"/>
               <a:t>Click to edit Master title style</a:t>
             </a:r>
+            <a:endParaRPr lang="en-US"/>
           </a:p>
         </p:txBody>
       </p:sp>
@@ -1400,7 +1413,7 @@
           <a:p>
             <a:pPr lvl="0"/>
             <a:r>
-              <a:rPr lang="en-US"/>
+              <a:rPr lang="en-US" smtClean="0"/>
               <a:t>Click to edit Master text styles</a:t>
             </a:r>
           </a:p>
@@ -1428,37 +1441,38 @@
           <a:p>
             <a:pPr lvl="0"/>
             <a:r>
-              <a:rPr lang="en-US"/>
+              <a:rPr lang="en-US" smtClean="0"/>
               <a:t>Click to edit Master text styles</a:t>
             </a:r>
           </a:p>
           <a:p>
             <a:pPr lvl="1"/>
             <a:r>
-              <a:rPr lang="en-US"/>
+              <a:rPr lang="en-US" smtClean="0"/>
               <a:t>Second level</a:t>
             </a:r>
           </a:p>
           <a:p>
             <a:pPr lvl="2"/>
             <a:r>
-              <a:rPr lang="en-US"/>
+              <a:rPr lang="en-US" smtClean="0"/>
               <a:t>Third level</a:t>
             </a:r>
           </a:p>
           <a:p>
             <a:pPr lvl="3"/>
             <a:r>
-              <a:rPr lang="en-US"/>
+              <a:rPr lang="en-US" smtClean="0"/>
               <a:t>Fourth level</a:t>
             </a:r>
           </a:p>
           <a:p>
             <a:pPr lvl="4"/>
             <a:r>
-              <a:rPr lang="en-US"/>
+              <a:rPr lang="en-US" smtClean="0"/>
               <a:t>Fifth level</a:t>
             </a:r>
+            <a:endParaRPr lang="en-US"/>
           </a:p>
         </p:txBody>
       </p:sp>
@@ -1521,7 +1535,7 @@
           <a:p>
             <a:pPr lvl="0"/>
             <a:r>
-              <a:rPr lang="en-US"/>
+              <a:rPr lang="en-US" smtClean="0"/>
               <a:t>Click to edit Master text styles</a:t>
             </a:r>
           </a:p>
@@ -1549,37 +1563,38 @@
           <a:p>
             <a:pPr lvl="0"/>
             <a:r>
-              <a:rPr lang="en-US"/>
+              <a:rPr lang="en-US" smtClean="0"/>
               <a:t>Click to edit Master text styles</a:t>
             </a:r>
           </a:p>
           <a:p>
             <a:pPr lvl="1"/>
             <a:r>
-              <a:rPr lang="en-US"/>
+              <a:rPr lang="en-US" smtClean="0"/>
               <a:t>Second level</a:t>
             </a:r>
           </a:p>
           <a:p>
             <a:pPr lvl="2"/>
             <a:r>
-              <a:rPr lang="en-US"/>
+              <a:rPr lang="en-US" smtClean="0"/>
               <a:t>Third level</a:t>
             </a:r>
           </a:p>
           <a:p>
             <a:pPr lvl="3"/>
             <a:r>
-              <a:rPr lang="en-US"/>
+              <a:rPr lang="en-US" smtClean="0"/>
               <a:t>Fourth level</a:t>
             </a:r>
           </a:p>
           <a:p>
             <a:pPr lvl="4"/>
             <a:r>
-              <a:rPr lang="en-US"/>
+              <a:rPr lang="en-US" smtClean="0"/>
               <a:t>Fifth level</a:t>
             </a:r>
+            <a:endParaRPr lang="en-US"/>
           </a:p>
         </p:txBody>
       </p:sp>
@@ -1600,7 +1615,7 @@
           <a:p>
             <a:fld id="{F1FA7AC5-6045-4418-8E60-F48788734473}" type="datetimeFigureOut">
               <a:rPr lang="en-US" smtClean="0"/>
-              <a:t>1/24/2017</a:t>
+              <a:t>1/8/2017</a:t>
             </a:fld>
             <a:endParaRPr lang="en-US"/>
           </a:p>
@@ -1694,9 +1709,10 @@
           <a:lstStyle/>
           <a:p>
             <a:r>
-              <a:rPr lang="en-US"/>
+              <a:rPr lang="en-US" smtClean="0"/>
               <a:t>Click to edit Master title style</a:t>
             </a:r>
+            <a:endParaRPr lang="en-US"/>
           </a:p>
         </p:txBody>
       </p:sp>
@@ -1717,7 +1733,7 @@
           <a:p>
             <a:fld id="{F1FA7AC5-6045-4418-8E60-F48788734473}" type="datetimeFigureOut">
               <a:rPr lang="en-US" smtClean="0"/>
-              <a:t>1/24/2017</a:t>
+              <a:t>1/8/2017</a:t>
             </a:fld>
             <a:endParaRPr lang="en-US"/>
           </a:p>
@@ -1812,7 +1828,7 @@
           <a:p>
             <a:fld id="{F1FA7AC5-6045-4418-8E60-F48788734473}" type="datetimeFigureOut">
               <a:rPr lang="en-US" smtClean="0"/>
-              <a:t>1/24/2017</a:t>
+              <a:t>1/8/2017</a:t>
             </a:fld>
             <a:endParaRPr lang="en-US"/>
           </a:p>
@@ -1915,9 +1931,10 @@
           </a:lstStyle>
           <a:p>
             <a:r>
-              <a:rPr lang="en-US"/>
+              <a:rPr lang="en-US" smtClean="0"/>
               <a:t>Click to edit Master title style</a:t>
             </a:r>
+            <a:endParaRPr lang="en-US"/>
           </a:p>
         </p:txBody>
       </p:sp>
@@ -1971,37 +1988,38 @@
           <a:p>
             <a:pPr lvl="0"/>
             <a:r>
-              <a:rPr lang="en-US"/>
+              <a:rPr lang="en-US" smtClean="0"/>
               <a:t>Click to edit Master text styles</a:t>
             </a:r>
           </a:p>
           <a:p>
             <a:pPr lvl="1"/>
             <a:r>
-              <a:rPr lang="en-US"/>
+              <a:rPr lang="en-US" smtClean="0"/>
               <a:t>Second level</a:t>
             </a:r>
           </a:p>
           <a:p>
             <a:pPr lvl="2"/>
             <a:r>
-              <a:rPr lang="en-US"/>
+              <a:rPr lang="en-US" smtClean="0"/>
               <a:t>Third level</a:t>
             </a:r>
           </a:p>
           <a:p>
             <a:pPr lvl="3"/>
             <a:r>
-              <a:rPr lang="en-US"/>
+              <a:rPr lang="en-US" smtClean="0"/>
               <a:t>Fourth level</a:t>
             </a:r>
           </a:p>
           <a:p>
             <a:pPr lvl="4"/>
             <a:r>
-              <a:rPr lang="en-US"/>
+              <a:rPr lang="en-US" smtClean="0"/>
               <a:t>Fifth level</a:t>
             </a:r>
+            <a:endParaRPr lang="en-US"/>
           </a:p>
         </p:txBody>
       </p:sp>
@@ -2064,7 +2082,7 @@
           <a:p>
             <a:pPr lvl="0"/>
             <a:r>
-              <a:rPr lang="en-US"/>
+              <a:rPr lang="en-US" smtClean="0"/>
               <a:t>Click to edit Master text styles</a:t>
             </a:r>
           </a:p>
@@ -2087,7 +2105,7 @@
           <a:p>
             <a:fld id="{F1FA7AC5-6045-4418-8E60-F48788734473}" type="datetimeFigureOut">
               <a:rPr lang="en-US" smtClean="0"/>
-              <a:t>1/24/2017</a:t>
+              <a:t>1/8/2017</a:t>
             </a:fld>
             <a:endParaRPr lang="en-US"/>
           </a:p>
@@ -2190,9 +2208,10 @@
           </a:lstStyle>
           <a:p>
             <a:r>
-              <a:rPr lang="en-US"/>
+              <a:rPr lang="en-US" smtClean="0"/>
               <a:t>Click to edit Master title style</a:t>
             </a:r>
+            <a:endParaRPr lang="en-US"/>
           </a:p>
         </p:txBody>
       </p:sp>
@@ -2316,7 +2335,7 @@
           <a:p>
             <a:pPr lvl="0"/>
             <a:r>
-              <a:rPr lang="en-US"/>
+              <a:rPr lang="en-US" smtClean="0"/>
               <a:t>Click to edit Master text styles</a:t>
             </a:r>
           </a:p>
@@ -2339,7 +2358,7 @@
           <a:p>
             <a:fld id="{F1FA7AC5-6045-4418-8E60-F48788734473}" type="datetimeFigureOut">
               <a:rPr lang="en-US" smtClean="0"/>
-              <a:t>1/24/2017</a:t>
+              <a:t>1/8/2017</a:t>
             </a:fld>
             <a:endParaRPr lang="en-US"/>
           </a:p>
@@ -2453,9 +2472,10 @@
           <a:lstStyle/>
           <a:p>
             <a:r>
-              <a:rPr lang="en-US"/>
+              <a:rPr lang="en-US" smtClean="0"/>
               <a:t>Click to edit Master title style</a:t>
             </a:r>
+            <a:endParaRPr lang="en-US"/>
           </a:p>
         </p:txBody>
       </p:sp>
@@ -2486,37 +2506,38 @@
           <a:p>
             <a:pPr lvl="0"/>
             <a:r>
-              <a:rPr lang="en-US"/>
+              <a:rPr lang="en-US" smtClean="0"/>
               <a:t>Click to edit Master text styles</a:t>
             </a:r>
           </a:p>
           <a:p>
             <a:pPr lvl="1"/>
             <a:r>
-              <a:rPr lang="en-US"/>
+              <a:rPr lang="en-US" smtClean="0"/>
               <a:t>Second level</a:t>
             </a:r>
           </a:p>
           <a:p>
             <a:pPr lvl="2"/>
             <a:r>
-              <a:rPr lang="en-US"/>
+              <a:rPr lang="en-US" smtClean="0"/>
               <a:t>Third level</a:t>
             </a:r>
           </a:p>
           <a:p>
             <a:pPr lvl="3"/>
             <a:r>
-              <a:rPr lang="en-US"/>
+              <a:rPr lang="en-US" smtClean="0"/>
               <a:t>Fourth level</a:t>
             </a:r>
           </a:p>
           <a:p>
             <a:pPr lvl="4"/>
             <a:r>
-              <a:rPr lang="en-US"/>
+              <a:rPr lang="en-US" smtClean="0"/>
               <a:t>Fifth level</a:t>
             </a:r>
+            <a:endParaRPr lang="en-US"/>
           </a:p>
         </p:txBody>
       </p:sp>
@@ -2555,7 +2576,7 @@
           <a:p>
             <a:fld id="{F1FA7AC5-6045-4418-8E60-F48788734473}" type="datetimeFigureOut">
               <a:rPr lang="en-US" smtClean="0"/>
-              <a:t>1/24/2017</a:t>
+              <a:t>1/8/2017</a:t>
             </a:fld>
             <a:endParaRPr lang="en-US"/>
           </a:p>
@@ -2983,9 +3004,10 @@
           <a:lstStyle/>
           <a:p>
             <a:r>
-              <a:rPr lang="en-US" dirty="0"/>
+              <a:rPr lang="en-US" dirty="0" smtClean="0"/>
               <a:t>Object Classification and Recognition</a:t>
             </a:r>
+            <a:endParaRPr lang="en-US" dirty="0"/>
           </a:p>
         </p:txBody>
       </p:sp>
@@ -3012,9 +3034,10 @@
           <a:lstStyle/>
           <a:p>
             <a:r>
-              <a:rPr lang="en-US" dirty="0"/>
+              <a:rPr lang="en-US" dirty="0" smtClean="0"/>
               <a:t>Shreenidhi Sudhakar</a:t>
             </a:r>
+            <a:endParaRPr lang="en-US" dirty="0"/>
           </a:p>
         </p:txBody>
       </p:sp>
@@ -3028,14 +3051,13 @@
   <p:clrMapOvr>
     <a:masterClrMapping/>
   </p:clrMapOvr>
-  <mc:AlternateContent xmlns:mc="http://schemas.openxmlformats.org/markup-compatibility/2006" xmlns:p14="http://schemas.microsoft.com/office/powerpoint/2010/main">
-    <mc:Choice Requires="p14">
-      <p:transition spd="slow" p14:dur="2000" advTm="15021"/>
-    </mc:Choice>
-    <mc:Fallback xmlns="">
-      <p:transition spd="slow" advTm="15021"/>
-    </mc:Fallback>
-  </mc:AlternateContent>
+  <p:timing>
+    <p:tnLst>
+      <p:par>
+        <p:cTn id="1" dur="indefinite" restart="never" nodeType="tmRoot"/>
+      </p:par>
+    </p:tnLst>
+  </p:timing>
 </p:sld>
 </file>
 
@@ -3073,9 +3095,10 @@
           <a:p>
             <a:pPr algn="ctr"/>
             <a:r>
-              <a:rPr lang="en-US" dirty="0"/>
+              <a:rPr lang="en-US" dirty="0" smtClean="0"/>
               <a:t>Convolution</a:t>
             </a:r>
+            <a:endParaRPr lang="en-US" dirty="0"/>
           </a:p>
         </p:txBody>
       </p:sp>
@@ -3132,26 +3155,31 @@
           <a:p>
             <a:r>
               <a:rPr lang="en-US" dirty="0"/>
-              <a:t>x = linear signal</a:t>
-            </a:r>
-          </a:p>
-          <a:p>
+              <a:t>x</a:t>
+            </a:r>
+            <a:r>
+              <a:rPr lang="en-US" dirty="0" smtClean="0"/>
+              <a:t> = linear signal</a:t>
+            </a:r>
+          </a:p>
+          <a:p>
+            <a:endParaRPr lang="en-US" dirty="0" smtClean="0"/>
+          </a:p>
+          <a:p>
+            <a:r>
+              <a:rPr lang="en-US" dirty="0" smtClean="0"/>
+              <a:t>h = impulse signal</a:t>
+            </a:r>
+          </a:p>
+          <a:p>
+            <a:endParaRPr lang="en-US" dirty="0" smtClean="0"/>
+          </a:p>
+          <a:p>
+            <a:r>
+              <a:rPr lang="en-US" dirty="0" smtClean="0"/>
+              <a:t>y = convolved signal</a:t>
+            </a:r>
             <a:endParaRPr lang="en-US" dirty="0"/>
-          </a:p>
-          <a:p>
-            <a:r>
-              <a:rPr lang="en-US" dirty="0"/>
-              <a:t>h = impulse signal</a:t>
-            </a:r>
-          </a:p>
-          <a:p>
-            <a:endParaRPr lang="en-US" dirty="0"/>
-          </a:p>
-          <a:p>
-            <a:r>
-              <a:rPr lang="en-US" dirty="0"/>
-              <a:t>y = convolved signal</a:t>
-            </a:r>
           </a:p>
         </p:txBody>
       </p:sp>
@@ -3165,14 +3193,13 @@
   <p:clrMapOvr>
     <a:masterClrMapping/>
   </p:clrMapOvr>
-  <mc:AlternateContent xmlns:mc="http://schemas.openxmlformats.org/markup-compatibility/2006" xmlns:p14="http://schemas.microsoft.com/office/powerpoint/2010/main">
-    <mc:Choice Requires="p14">
-      <p:transition spd="slow" p14:dur="2000" advTm="205558"/>
-    </mc:Choice>
-    <mc:Fallback xmlns="">
-      <p:transition spd="slow" advTm="205558"/>
-    </mc:Fallback>
-  </mc:AlternateContent>
+  <p:timing>
+    <p:tnLst>
+      <p:par>
+        <p:cTn id="1" dur="indefinite" restart="never" nodeType="tmRoot"/>
+      </p:par>
+    </p:tnLst>
+  </p:timing>
 </p:sld>
 </file>
 
@@ -3210,13 +3237,14 @@
           <a:p>
             <a:pPr algn="ctr"/>
             <a:r>
-              <a:rPr lang="en-US" dirty="0" err="1"/>
+              <a:rPr lang="en-US" dirty="0" err="1" smtClean="0"/>
               <a:t>ReLu</a:t>
             </a:r>
             <a:r>
-              <a:rPr lang="en-US" dirty="0"/>
+              <a:rPr lang="en-US" dirty="0" smtClean="0"/>
               <a:t> and Max Pooling</a:t>
             </a:r>
+            <a:endParaRPr lang="en-US" dirty="0"/>
           </a:p>
         </p:txBody>
       </p:sp>
@@ -3242,7 +3270,7 @@
           <a:p>
             <a:pPr algn="ctr"/>
             <a:r>
-              <a:rPr lang="en-US" dirty="0" err="1"/>
+              <a:rPr lang="en-US" dirty="0" err="1" smtClean="0"/>
               <a:t>ReLU</a:t>
             </a:r>
             <a:endParaRPr lang="en-US" dirty="0"/>
@@ -3300,9 +3328,10 @@
           <a:p>
             <a:pPr algn="ctr"/>
             <a:r>
-              <a:rPr lang="en-US" dirty="0"/>
+              <a:rPr lang="en-US" dirty="0" smtClean="0"/>
               <a:t>Max Pool</a:t>
             </a:r>
+            <a:endParaRPr lang="en-US" dirty="0"/>
           </a:p>
         </p:txBody>
       </p:sp>
@@ -3345,14 +3374,6 @@
   <p:clrMapOvr>
     <a:masterClrMapping/>
   </p:clrMapOvr>
-  <mc:AlternateContent xmlns:mc="http://schemas.openxmlformats.org/markup-compatibility/2006" xmlns:p14="http://schemas.microsoft.com/office/powerpoint/2010/main">
-    <mc:Choice Requires="p14">
-      <p:transition spd="slow" p14:dur="2000" advTm="140443"/>
-    </mc:Choice>
-    <mc:Fallback xmlns="">
-      <p:transition spd="slow" advTm="140443"/>
-    </mc:Fallback>
-  </mc:AlternateContent>
 </p:sld>
 </file>
 
@@ -3390,9 +3411,10 @@
           <a:p>
             <a:pPr algn="ctr"/>
             <a:r>
-              <a:rPr lang="en-US" dirty="0"/>
+              <a:rPr lang="en-US" dirty="0" smtClean="0"/>
               <a:t>Convolution Neural Network</a:t>
             </a:r>
+            <a:endParaRPr lang="en-US" dirty="0"/>
           </a:p>
         </p:txBody>
       </p:sp>
@@ -3435,14 +3457,13 @@
   <p:clrMapOvr>
     <a:masterClrMapping/>
   </p:clrMapOvr>
-  <mc:AlternateContent xmlns:mc="http://schemas.openxmlformats.org/markup-compatibility/2006" xmlns:p14="http://schemas.microsoft.com/office/powerpoint/2010/main">
-    <mc:Choice Requires="p14">
-      <p:transition spd="slow" p14:dur="2000" advTm="100257"/>
-    </mc:Choice>
-    <mc:Fallback xmlns="">
-      <p:transition spd="slow" advTm="100257"/>
-    </mc:Fallback>
-  </mc:AlternateContent>
+  <p:timing>
+    <p:tnLst>
+      <p:par>
+        <p:cTn id="1" dur="indefinite" restart="never" nodeType="tmRoot"/>
+      </p:par>
+    </p:tnLst>
+  </p:timing>
 </p:sld>
 </file>
 
@@ -3480,9 +3501,10 @@
           <a:p>
             <a:pPr algn="ctr"/>
             <a:r>
-              <a:rPr lang="en-US" dirty="0"/>
+              <a:rPr lang="en-US" dirty="0" smtClean="0"/>
               <a:t>Results</a:t>
             </a:r>
+            <a:endParaRPr lang="en-US" dirty="0"/>
           </a:p>
         </p:txBody>
       </p:sp>
@@ -3575,7 +3597,15 @@
             </a:pPr>
             <a:r>
               <a:rPr lang="en-US" sz="1200" i="1" dirty="0"/>
-              <a:t>Visualization Tool In TensorFlow</a:t>
+              <a:t>Visualization </a:t>
+            </a:r>
+            <a:r>
+              <a:rPr lang="en-US" sz="1200" i="1" dirty="0" smtClean="0"/>
+              <a:t>Tool In </a:t>
+            </a:r>
+            <a:r>
+              <a:rPr lang="en-US" sz="1200" i="1" dirty="0"/>
+              <a:t>TensorFlow</a:t>
             </a:r>
           </a:p>
           <a:p>
@@ -3593,14 +3623,13 @@
   <p:clrMapOvr>
     <a:masterClrMapping/>
   </p:clrMapOvr>
-  <mc:AlternateContent xmlns:mc="http://schemas.openxmlformats.org/markup-compatibility/2006" xmlns:p14="http://schemas.microsoft.com/office/powerpoint/2010/main">
-    <mc:Choice Requires="p14">
-      <p:transition spd="slow" p14:dur="2000" advTm="77336"/>
-    </mc:Choice>
-    <mc:Fallback xmlns="">
-      <p:transition spd="slow" advTm="77336"/>
-    </mc:Fallback>
-  </mc:AlternateContent>
+  <p:timing>
+    <p:tnLst>
+      <p:par>
+        <p:cTn id="1" dur="indefinite" restart="never" nodeType="tmRoot"/>
+      </p:par>
+    </p:tnLst>
+  </p:timing>
 </p:sld>
 </file>
 
@@ -3638,9 +3667,10 @@
           <a:p>
             <a:pPr algn="ctr"/>
             <a:r>
-              <a:rPr lang="en-US" dirty="0"/>
+              <a:rPr lang="en-US" dirty="0" smtClean="0"/>
               <a:t>Results</a:t>
             </a:r>
+            <a:endParaRPr lang="en-US" dirty="0"/>
           </a:p>
         </p:txBody>
       </p:sp>
@@ -3661,9 +3691,10 @@
           <a:p>
             <a:pPr algn="ctr"/>
             <a:r>
-              <a:rPr lang="en-US" dirty="0"/>
+              <a:rPr lang="en-US" dirty="0" smtClean="0"/>
               <a:t>Cross Entropy</a:t>
             </a:r>
+            <a:endParaRPr lang="en-US" dirty="0"/>
           </a:p>
         </p:txBody>
       </p:sp>
@@ -3713,9 +3744,10 @@
           <a:p>
             <a:pPr algn="ctr"/>
             <a:r>
-              <a:rPr lang="en-US" dirty="0"/>
+              <a:rPr lang="en-US" dirty="0" smtClean="0"/>
               <a:t>Accuracy</a:t>
             </a:r>
+            <a:endParaRPr lang="en-US" dirty="0"/>
           </a:p>
         </p:txBody>
       </p:sp>
@@ -3758,14 +3790,13 @@
   <p:clrMapOvr>
     <a:masterClrMapping/>
   </p:clrMapOvr>
-  <mc:AlternateContent xmlns:mc="http://schemas.openxmlformats.org/markup-compatibility/2006" xmlns:p14="http://schemas.microsoft.com/office/powerpoint/2010/main">
-    <mc:Choice Requires="p14">
-      <p:transition spd="slow" p14:dur="2000" advTm="41956"/>
-    </mc:Choice>
-    <mc:Fallback xmlns="">
-      <p:transition spd="slow" advTm="41956"/>
-    </mc:Fallback>
-  </mc:AlternateContent>
+  <p:timing>
+    <p:tnLst>
+      <p:par>
+        <p:cTn id="1" dur="indefinite" restart="never" nodeType="tmRoot"/>
+      </p:par>
+    </p:tnLst>
+  </p:timing>
 </p:sld>
 </file>
 
@@ -3803,9 +3834,10 @@
           <a:p>
             <a:pPr algn="ctr"/>
             <a:r>
-              <a:rPr lang="en-US" dirty="0"/>
+              <a:rPr lang="en-US" dirty="0" smtClean="0"/>
               <a:t>Real Time Application</a:t>
             </a:r>
+            <a:endParaRPr lang="en-US" dirty="0"/>
           </a:p>
         </p:txBody>
       </p:sp>
@@ -3826,37 +3858,41 @@
           </a:bodyPr>
           <a:lstStyle/>
           <a:p>
+            <a:endParaRPr lang="en-US" dirty="0" smtClean="0"/>
+          </a:p>
+          <a:p>
+            <a:r>
+              <a:rPr lang="en-US" dirty="0" smtClean="0"/>
+              <a:t>Video Analysis</a:t>
+            </a:r>
+          </a:p>
+          <a:p>
             <a:endParaRPr lang="en-US" dirty="0"/>
           </a:p>
           <a:p>
             <a:r>
+              <a:rPr lang="en-US" dirty="0" smtClean="0"/>
+              <a:t>Image Recognition</a:t>
+            </a:r>
+          </a:p>
+          <a:p>
+            <a:endParaRPr lang="en-US" dirty="0" smtClean="0"/>
+          </a:p>
+          <a:p>
+            <a:r>
+              <a:rPr lang="en-US" dirty="0" smtClean="0"/>
+              <a:t>Natural Language Processing</a:t>
+            </a:r>
+          </a:p>
+          <a:p>
+            <a:pPr lvl="1"/>
+            <a:r>
               <a:rPr lang="en-US" dirty="0"/>
-              <a:t>Video Analysis</a:t>
-            </a:r>
-          </a:p>
-          <a:p>
-            <a:endParaRPr lang="en-US" dirty="0"/>
-          </a:p>
-          <a:p>
-            <a:r>
-              <a:rPr lang="en-US" dirty="0"/>
-              <a:t>Image Recognition</a:t>
-            </a:r>
-          </a:p>
-          <a:p>
-            <a:endParaRPr lang="en-US" dirty="0"/>
-          </a:p>
-          <a:p>
-            <a:r>
-              <a:rPr lang="en-US" dirty="0"/>
-              <a:t>Natural Language Processing</a:t>
-            </a:r>
-          </a:p>
-          <a:p>
-            <a:pPr lvl="1"/>
-            <a:r>
-              <a:rPr lang="en-US" dirty="0"/>
-              <a:t>Semantic parsing,</a:t>
+              <a:t>S</a:t>
+            </a:r>
+            <a:r>
+              <a:rPr lang="en-US" dirty="0" smtClean="0"/>
+              <a:t>emantic parsing,</a:t>
             </a:r>
             <a:r>
               <a:rPr lang="en-US" baseline="30000" dirty="0"/>
@@ -3864,8 +3900,29 @@
             </a:r>
             <a:r>
               <a:rPr lang="en-US" dirty="0"/>
-              <a:t>search query retrieval, sentence modeling</a:t>
-            </a:r>
+              <a:t>s</a:t>
+            </a:r>
+            <a:r>
+              <a:rPr lang="en-US" dirty="0" smtClean="0"/>
+              <a:t>earch </a:t>
+            </a:r>
+            <a:r>
+              <a:rPr lang="en-US" dirty="0"/>
+              <a:t>query retrieval</a:t>
+            </a:r>
+            <a:r>
+              <a:rPr lang="en-US" dirty="0" smtClean="0"/>
+              <a:t>,</a:t>
+            </a:r>
+            <a:r>
+              <a:rPr lang="en-US" dirty="0"/>
+              <a:t> sentence </a:t>
+            </a:r>
+            <a:r>
+              <a:rPr lang="en-US" dirty="0" smtClean="0"/>
+              <a:t>modeling</a:t>
+            </a:r>
+            <a:endParaRPr lang="en-US" dirty="0"/>
           </a:p>
         </p:txBody>
       </p:sp>
@@ -3879,14 +3936,13 @@
   <p:clrMapOvr>
     <a:masterClrMapping/>
   </p:clrMapOvr>
-  <mc:AlternateContent xmlns:mc="http://schemas.openxmlformats.org/markup-compatibility/2006" xmlns:p14="http://schemas.microsoft.com/office/powerpoint/2010/main">
-    <mc:Choice Requires="p14">
-      <p:transition spd="slow" p14:dur="2000" advTm="62362"/>
-    </mc:Choice>
-    <mc:Fallback xmlns="">
-      <p:transition spd="slow" advTm="62362"/>
-    </mc:Fallback>
-  </mc:AlternateContent>
+  <p:timing>
+    <p:tnLst>
+      <p:par>
+        <p:cTn id="1" dur="indefinite" restart="never" nodeType="tmRoot"/>
+      </p:par>
+    </p:tnLst>
+  </p:timing>
 </p:sld>
 </file>
 
@@ -3925,9 +3981,10 @@
           <a:lstStyle/>
           <a:p>
             <a:r>
-              <a:rPr lang="en-US" sz="7200" dirty="0"/>
+              <a:rPr lang="en-US" sz="7200" dirty="0" smtClean="0"/>
               <a:t>Thank You</a:t>
             </a:r>
+            <a:endParaRPr lang="en-US" sz="7200" dirty="0"/>
           </a:p>
         </p:txBody>
       </p:sp>
@@ -3952,9 +4009,10 @@
           <a:lstStyle/>
           <a:p>
             <a:r>
-              <a:rPr lang="en-US" dirty="0"/>
+              <a:rPr lang="en-US" dirty="0" smtClean="0"/>
               <a:t>Check Out: shreenidhi.azurewebsites.net</a:t>
             </a:r>
+            <a:endParaRPr lang="en-US" dirty="0"/>
           </a:p>
         </p:txBody>
       </p:sp>
@@ -3968,14 +4026,6 @@
   <p:clrMapOvr>
     <a:masterClrMapping/>
   </p:clrMapOvr>
-  <mc:AlternateContent xmlns:mc="http://schemas.openxmlformats.org/markup-compatibility/2006" xmlns:p14="http://schemas.microsoft.com/office/powerpoint/2010/main">
-    <mc:Choice Requires="p14">
-      <p:transition spd="slow" p14:dur="2000" advTm="41100"/>
-    </mc:Choice>
-    <mc:Fallback xmlns="">
-      <p:transition spd="slow" advTm="41100"/>
-    </mc:Fallback>
-  </mc:AlternateContent>
 </p:sld>
 </file>
 
